--- a/HTML/Responsive/responsive.pptx
+++ b/HTML/Responsive/responsive.pptx
@@ -13,6 +13,7 @@
     <p:sldId id="261" r:id="rId7"/>
     <p:sldId id="263" r:id="rId8"/>
     <p:sldId id="262" r:id="rId9"/>
+    <p:sldId id="264" r:id="rId10"/>
   </p:sldIdLst>
   <p:sldSz cx="12192000" cy="6858000"/>
   <p:notesSz cx="6858000" cy="9144000"/>
@@ -6941,6 +6942,101 @@
 </p:sld>
 </file>
 
+<file path=ppt/slides/slide9.xml><?xml version="1.0" encoding="utf-8"?>
+<p:sld xmlns:a="http://schemas.openxmlformats.org/drawingml/2006/main" xmlns:r="http://schemas.openxmlformats.org/officeDocument/2006/relationships" xmlns:p="http://schemas.openxmlformats.org/presentationml/2006/main">
+  <p:cSld>
+    <p:spTree>
+      <p:nvGrpSpPr>
+        <p:cNvPr id="1" name=""/>
+        <p:cNvGrpSpPr/>
+        <p:nvPr/>
+      </p:nvGrpSpPr>
+      <p:grpSpPr>
+        <a:xfrm>
+          <a:off x="0" y="0"/>
+          <a:ext cx="0" cy="0"/>
+          <a:chOff x="0" y="0"/>
+          <a:chExt cx="0" cy="0"/>
+        </a:xfrm>
+      </p:grpSpPr>
+      <p:sp>
+        <p:nvSpPr>
+          <p:cNvPr id="2" name="כותרת 1">
+            <a:extLst>
+              <a:ext uri="{FF2B5EF4-FFF2-40B4-BE49-F238E27FC236}">
+                <a16:creationId xmlns:a16="http://schemas.microsoft.com/office/drawing/2014/main" id="{0F9D8DB2-6EAA-45ED-B4F1-C78A4E66C37E}"/>
+              </a:ext>
+            </a:extLst>
+          </p:cNvPr>
+          <p:cNvSpPr>
+            <a:spLocks noGrp="1"/>
+          </p:cNvSpPr>
+          <p:nvPr>
+            <p:ph type="title"/>
+          </p:nvPr>
+        </p:nvSpPr>
+        <p:spPr/>
+        <p:txBody>
+          <a:bodyPr/>
+          <a:lstStyle/>
+          <a:p>
+            <a:r>
+              <a:rPr lang="en-US" dirty="0"/>
+              <a:t>Use percentage and not fixed fonts</a:t>
+            </a:r>
+          </a:p>
+        </p:txBody>
+      </p:sp>
+      <p:sp>
+        <p:nvSpPr>
+          <p:cNvPr id="3" name="מציין מיקום תוכן 2">
+            <a:extLst>
+              <a:ext uri="{FF2B5EF4-FFF2-40B4-BE49-F238E27FC236}">
+                <a16:creationId xmlns:a16="http://schemas.microsoft.com/office/drawing/2014/main" id="{E2E66FE7-5B1E-4D60-9809-58CB7916013D}"/>
+              </a:ext>
+            </a:extLst>
+          </p:cNvPr>
+          <p:cNvSpPr>
+            <a:spLocks noGrp="1"/>
+          </p:cNvSpPr>
+          <p:nvPr>
+            <p:ph idx="1"/>
+          </p:nvPr>
+        </p:nvSpPr>
+        <p:spPr/>
+        <p:txBody>
+          <a:bodyPr/>
+          <a:lstStyle/>
+          <a:p>
+            <a:pPr algn="l" rtl="0"/>
+            <a:r>
+              <a:rPr lang="en-US" dirty="0"/>
+              <a:t>p</a:t>
+            </a:r>
+            <a:r>
+              <a:rPr lang="en-US"/>
+              <a:t>recentage</a:t>
+            </a:r>
+            <a:r>
+              <a:rPr lang="en-US" dirty="0"/>
+              <a:t>.html</a:t>
+            </a:r>
+          </a:p>
+        </p:txBody>
+      </p:sp>
+    </p:spTree>
+    <p:extLst>
+      <p:ext uri="{BB962C8B-B14F-4D97-AF65-F5344CB8AC3E}">
+        <p14:creationId xmlns:p14="http://schemas.microsoft.com/office/powerpoint/2010/main" val="1539700322"/>
+      </p:ext>
+    </p:extLst>
+  </p:cSld>
+  <p:clrMapOvr>
+    <a:masterClrMapping/>
+  </p:clrMapOvr>
+</p:sld>
+</file>
+
 <file path=ppt/theme/theme1.xml><?xml version="1.0" encoding="utf-8"?>
 <a:theme xmlns:a="http://schemas.openxmlformats.org/drawingml/2006/main" name="יונים">
   <a:themeElements>

--- a/HTML/Responsive/responsive.pptx
+++ b/HTML/Responsive/responsive.pptx
@@ -6982,8 +6982,13 @@
           <a:p>
             <a:r>
               <a:rPr lang="en-US" dirty="0"/>
-              <a:t>Use percentage and not fixed fonts</a:t>
-            </a:r>
+              <a:t>Use percentage and not </a:t>
+            </a:r>
+            <a:r>
+              <a:rPr lang="en-US"/>
+              <a:t>fixed size</a:t>
+            </a:r>
+            <a:endParaRPr lang="en-US" dirty="0"/>
           </a:p>
         </p:txBody>
       </p:sp>
@@ -7011,15 +7016,7 @@
             <a:pPr algn="l" rtl="0"/>
             <a:r>
               <a:rPr lang="en-US" dirty="0"/>
-              <a:t>p</a:t>
-            </a:r>
-            <a:r>
-              <a:rPr lang="en-US"/>
-              <a:t>recentage</a:t>
-            </a:r>
-            <a:r>
-              <a:rPr lang="en-US" dirty="0"/>
-              <a:t>.html</a:t>
+              <a:t>precentage.html</a:t>
             </a:r>
           </a:p>
         </p:txBody>

--- a/HTML/Responsive/responsive.pptx
+++ b/HTML/Responsive/responsive.pptx
@@ -14,6 +14,7 @@
     <p:sldId id="263" r:id="rId8"/>
     <p:sldId id="262" r:id="rId9"/>
     <p:sldId id="264" r:id="rId10"/>
+    <p:sldId id="265" r:id="rId11"/>
   </p:sldIdLst>
   <p:sldSz cx="12192000" cy="6858000"/>
   <p:notesSz cx="6858000" cy="9144000"/>
@@ -310,7 +311,7 @@
           <a:p>
             <a:fld id="{8C0E481A-6A09-48DA-A8F0-C923B352291E}" type="datetimeFigureOut">
               <a:rPr lang="he-IL" smtClean="0"/>
-              <a:t>א'/טבת/תשע"ח</a:t>
+              <a:t>י"ג/טבת/תשע"ח</a:t>
             </a:fld>
             <a:endParaRPr lang="he-IL"/>
           </a:p>
@@ -585,7 +586,7 @@
           <a:p>
             <a:fld id="{8C0E481A-6A09-48DA-A8F0-C923B352291E}" type="datetimeFigureOut">
               <a:rPr lang="he-IL" smtClean="0"/>
-              <a:t>א'/טבת/תשע"ח</a:t>
+              <a:t>י"ג/טבת/תשע"ח</a:t>
             </a:fld>
             <a:endParaRPr lang="he-IL"/>
           </a:p>
@@ -779,7 +780,7 @@
           <a:p>
             <a:fld id="{8C0E481A-6A09-48DA-A8F0-C923B352291E}" type="datetimeFigureOut">
               <a:rPr lang="he-IL" smtClean="0"/>
-              <a:t>א'/טבת/תשע"ח</a:t>
+              <a:t>י"ג/טבת/תשע"ח</a:t>
             </a:fld>
             <a:endParaRPr lang="he-IL"/>
           </a:p>
@@ -1050,7 +1051,7 @@
           <a:p>
             <a:fld id="{8C0E481A-6A09-48DA-A8F0-C923B352291E}" type="datetimeFigureOut">
               <a:rPr lang="he-IL" smtClean="0"/>
-              <a:t>א'/טבת/תשע"ח</a:t>
+              <a:t>י"ג/טבת/תשע"ח</a:t>
             </a:fld>
             <a:endParaRPr lang="he-IL"/>
           </a:p>
@@ -1377,7 +1378,7 @@
           <a:p>
             <a:fld id="{8C0E481A-6A09-48DA-A8F0-C923B352291E}" type="datetimeFigureOut">
               <a:rPr lang="he-IL" smtClean="0"/>
-              <a:t>א'/טבת/תשע"ח</a:t>
+              <a:t>י"ג/טבת/תשע"ח</a:t>
             </a:fld>
             <a:endParaRPr lang="he-IL"/>
           </a:p>
@@ -1996,7 +1997,7 @@
           <a:p>
             <a:fld id="{8C0E481A-6A09-48DA-A8F0-C923B352291E}" type="datetimeFigureOut">
               <a:rPr lang="he-IL" smtClean="0"/>
-              <a:t>א'/טבת/תשע"ח</a:t>
+              <a:t>י"ג/טבת/תשע"ח</a:t>
             </a:fld>
             <a:endParaRPr lang="he-IL"/>
           </a:p>
@@ -2843,7 +2844,7 @@
           <a:p>
             <a:fld id="{8C0E481A-6A09-48DA-A8F0-C923B352291E}" type="datetimeFigureOut">
               <a:rPr lang="he-IL" smtClean="0"/>
-              <a:t>א'/טבת/תשע"ח</a:t>
+              <a:t>י"ג/טבת/תשע"ח</a:t>
             </a:fld>
             <a:endParaRPr lang="he-IL"/>
           </a:p>
@@ -3013,7 +3014,7 @@
           <a:p>
             <a:fld id="{8C0E481A-6A09-48DA-A8F0-C923B352291E}" type="datetimeFigureOut">
               <a:rPr lang="he-IL" smtClean="0"/>
-              <a:t>א'/טבת/תשע"ח</a:t>
+              <a:t>י"ג/טבת/תשע"ח</a:t>
             </a:fld>
             <a:endParaRPr lang="he-IL"/>
           </a:p>
@@ -3193,7 +3194,7 @@
           <a:p>
             <a:fld id="{8C0E481A-6A09-48DA-A8F0-C923B352291E}" type="datetimeFigureOut">
               <a:rPr lang="he-IL" smtClean="0"/>
-              <a:t>א'/טבת/תשע"ח</a:t>
+              <a:t>י"ג/טבת/תשע"ח</a:t>
             </a:fld>
             <a:endParaRPr lang="he-IL"/>
           </a:p>
@@ -3363,7 +3364,7 @@
           <a:p>
             <a:fld id="{8C0E481A-6A09-48DA-A8F0-C923B352291E}" type="datetimeFigureOut">
               <a:rPr lang="he-IL" smtClean="0"/>
-              <a:t>א'/טבת/תשע"ח</a:t>
+              <a:t>י"ג/טבת/תשע"ח</a:t>
             </a:fld>
             <a:endParaRPr lang="he-IL"/>
           </a:p>
@@ -3610,7 +3611,7 @@
           <a:p>
             <a:fld id="{8C0E481A-6A09-48DA-A8F0-C923B352291E}" type="datetimeFigureOut">
               <a:rPr lang="he-IL" smtClean="0"/>
-              <a:t>א'/טבת/תשע"ח</a:t>
+              <a:t>י"ג/טבת/תשע"ח</a:t>
             </a:fld>
             <a:endParaRPr lang="he-IL"/>
           </a:p>
@@ -3902,7 +3903,7 @@
           <a:p>
             <a:fld id="{8C0E481A-6A09-48DA-A8F0-C923B352291E}" type="datetimeFigureOut">
               <a:rPr lang="he-IL" smtClean="0"/>
-              <a:t>א'/טבת/תשע"ח</a:t>
+              <a:t>י"ג/טבת/תשע"ח</a:t>
             </a:fld>
             <a:endParaRPr lang="he-IL"/>
           </a:p>
@@ -4346,7 +4347,7 @@
           <a:p>
             <a:fld id="{8C0E481A-6A09-48DA-A8F0-C923B352291E}" type="datetimeFigureOut">
               <a:rPr lang="he-IL" smtClean="0"/>
-              <a:t>א'/טבת/תשע"ח</a:t>
+              <a:t>י"ג/טבת/תשע"ח</a:t>
             </a:fld>
             <a:endParaRPr lang="he-IL"/>
           </a:p>
@@ -4464,7 +4465,7 @@
           <a:p>
             <a:fld id="{8C0E481A-6A09-48DA-A8F0-C923B352291E}" type="datetimeFigureOut">
               <a:rPr lang="he-IL" smtClean="0"/>
-              <a:t>א'/טבת/תשע"ח</a:t>
+              <a:t>י"ג/טבת/תשע"ח</a:t>
             </a:fld>
             <a:endParaRPr lang="he-IL"/>
           </a:p>
@@ -4559,7 +4560,7 @@
           <a:p>
             <a:fld id="{8C0E481A-6A09-48DA-A8F0-C923B352291E}" type="datetimeFigureOut">
               <a:rPr lang="he-IL" smtClean="0"/>
-              <a:t>א'/טבת/תשע"ח</a:t>
+              <a:t>י"ג/טבת/תשע"ח</a:t>
             </a:fld>
             <a:endParaRPr lang="he-IL"/>
           </a:p>
@@ -4838,7 +4839,7 @@
           <a:p>
             <a:fld id="{8C0E481A-6A09-48DA-A8F0-C923B352291E}" type="datetimeFigureOut">
               <a:rPr lang="he-IL" smtClean="0"/>
-              <a:t>א'/טבת/תשע"ח</a:t>
+              <a:t>י"ג/טבת/תשע"ח</a:t>
             </a:fld>
             <a:endParaRPr lang="he-IL"/>
           </a:p>
@@ -5113,7 +5114,7 @@
           <a:p>
             <a:fld id="{8C0E481A-6A09-48DA-A8F0-C923B352291E}" type="datetimeFigureOut">
               <a:rPr lang="he-IL" smtClean="0"/>
-              <a:t>א'/טבת/תשע"ח</a:t>
+              <a:t>י"ג/טבת/תשע"ח</a:t>
             </a:fld>
             <a:endParaRPr lang="he-IL"/>
           </a:p>
@@ -5536,7 +5537,7 @@
           <a:p>
             <a:fld id="{8C0E481A-6A09-48DA-A8F0-C923B352291E}" type="datetimeFigureOut">
               <a:rPr lang="he-IL" smtClean="0"/>
-              <a:t>א'/טבת/תשע"ח</a:t>
+              <a:t>י"ג/טבת/תשע"ח</a:t>
             </a:fld>
             <a:endParaRPr lang="he-IL"/>
           </a:p>
@@ -6201,6 +6202,98 @@
 </p:sld>
 </file>
 
+<file path=ppt/slides/slide10.xml><?xml version="1.0" encoding="utf-8"?>
+<p:sld xmlns:a="http://schemas.openxmlformats.org/drawingml/2006/main" xmlns:r="http://schemas.openxmlformats.org/officeDocument/2006/relationships" xmlns:p="http://schemas.openxmlformats.org/presentationml/2006/main">
+  <p:cSld>
+    <p:spTree>
+      <p:nvGrpSpPr>
+        <p:cNvPr id="1" name=""/>
+        <p:cNvGrpSpPr/>
+        <p:nvPr/>
+      </p:nvGrpSpPr>
+      <p:grpSpPr>
+        <a:xfrm>
+          <a:off x="0" y="0"/>
+          <a:ext cx="0" cy="0"/>
+          <a:chOff x="0" y="0"/>
+          <a:chExt cx="0" cy="0"/>
+        </a:xfrm>
+      </p:grpSpPr>
+      <p:sp>
+        <p:nvSpPr>
+          <p:cNvPr id="2" name="כותרת 1">
+            <a:extLst>
+              <a:ext uri="{FF2B5EF4-FFF2-40B4-BE49-F238E27FC236}">
+                <a16:creationId xmlns:a16="http://schemas.microsoft.com/office/drawing/2014/main" id="{041ACEC4-4273-41E1-99F7-79DF093BAC01}"/>
+              </a:ext>
+            </a:extLst>
+          </p:cNvPr>
+          <p:cNvSpPr>
+            <a:spLocks noGrp="1"/>
+          </p:cNvSpPr>
+          <p:nvPr>
+            <p:ph type="title"/>
+          </p:nvPr>
+        </p:nvSpPr>
+        <p:spPr/>
+        <p:txBody>
+          <a:bodyPr/>
+          <a:lstStyle/>
+          <a:p>
+            <a:r>
+              <a:rPr lang="en-US" dirty="0"/>
+              <a:t>Media query</a:t>
+            </a:r>
+          </a:p>
+        </p:txBody>
+      </p:sp>
+      <p:sp>
+        <p:nvSpPr>
+          <p:cNvPr id="3" name="מציין מיקום תוכן 2">
+            <a:extLst>
+              <a:ext uri="{FF2B5EF4-FFF2-40B4-BE49-F238E27FC236}">
+                <a16:creationId xmlns:a16="http://schemas.microsoft.com/office/drawing/2014/main" id="{EC14C4B0-E0A1-4423-82B4-D4A15D08ACBE}"/>
+              </a:ext>
+            </a:extLst>
+          </p:cNvPr>
+          <p:cNvSpPr>
+            <a:spLocks noGrp="1"/>
+          </p:cNvSpPr>
+          <p:nvPr>
+            <p:ph idx="1"/>
+          </p:nvPr>
+        </p:nvSpPr>
+        <p:spPr/>
+        <p:txBody>
+          <a:bodyPr/>
+          <a:lstStyle/>
+          <a:p>
+            <a:pPr algn="l" rtl="0"/>
+            <a:r>
+              <a:rPr lang="en-US" dirty="0"/>
+              <a:t>Adjust to several screen </a:t>
+            </a:r>
+            <a:r>
+              <a:rPr lang="en-US"/>
+              <a:t>siizes</a:t>
+            </a:r>
+            <a:endParaRPr lang="en-US" dirty="0"/>
+          </a:p>
+        </p:txBody>
+      </p:sp>
+    </p:spTree>
+    <p:extLst>
+      <p:ext uri="{BB962C8B-B14F-4D97-AF65-F5344CB8AC3E}">
+        <p14:creationId xmlns:p14="http://schemas.microsoft.com/office/powerpoint/2010/main" val="1968318231"/>
+      </p:ext>
+    </p:extLst>
+  </p:cSld>
+  <p:clrMapOvr>
+    <a:masterClrMapping/>
+  </p:clrMapOvr>
+</p:sld>
+</file>
+
 <file path=ppt/slides/slide2.xml><?xml version="1.0" encoding="utf-8"?>
 <p:sld xmlns:a="http://schemas.openxmlformats.org/drawingml/2006/main" xmlns:r="http://schemas.openxmlformats.org/officeDocument/2006/relationships" xmlns:p="http://schemas.openxmlformats.org/presentationml/2006/main">
   <p:cSld>

--- a/HTML/Responsive/responsive.pptx
+++ b/HTML/Responsive/responsive.pptx
@@ -6271,11 +6271,61 @@
             <a:pPr algn="l" rtl="0"/>
             <a:r>
               <a:rPr lang="en-US" dirty="0"/>
-              <a:t>Adjust to several screen </a:t>
+              <a:t>Adjust to several screen sizes</a:t>
+            </a:r>
+          </a:p>
+          <a:p>
+            <a:pPr marL="0" indent="0" algn="l" rtl="0">
+              <a:buNone/>
+            </a:pPr>
+            <a:r>
+              <a:rPr lang="en-US" dirty="0"/>
+              <a:t>@media (max-width: 400px)</a:t>
+            </a:r>
+          </a:p>
+          <a:p>
+            <a:pPr algn="l" rtl="0"/>
+            <a:r>
+              <a:rPr lang="en-US" dirty="0"/>
+              <a:t>420px~ mobile</a:t>
+            </a:r>
+          </a:p>
+          <a:p>
+            <a:pPr algn="l" rtl="0"/>
+            <a:r>
+              <a:rPr lang="en-US" dirty="0"/>
+              <a:t>768px~ tablet</a:t>
+            </a:r>
+          </a:p>
+          <a:p>
+            <a:pPr algn="l" rtl="0"/>
+            <a:r>
+              <a:rPr lang="en-US" dirty="0"/>
+              <a:t>1280px~ pc</a:t>
+            </a:r>
+          </a:p>
+          <a:p>
+            <a:pPr algn="l" rtl="0"/>
+            <a:r>
+              <a:rPr lang="en-US" dirty="0"/>
+              <a:t>&gt;1920px HD screens</a:t>
+            </a:r>
+          </a:p>
+          <a:p>
+            <a:pPr algn="l" rtl="0"/>
+            <a:endParaRPr lang="en-US" dirty="0"/>
+          </a:p>
+          <a:p>
+            <a:pPr marL="0" indent="0" algn="l" rtl="0">
+              <a:buNone/>
+            </a:pPr>
+            <a:r>
+              <a:rPr lang="en-US" dirty="0" err="1"/>
+              <a:t>preGrid</a:t>
             </a:r>
             <a:r>
               <a:rPr lang="en-US"/>
-              <a:t>siizes</a:t>
+              <a:t>*.html</a:t>
             </a:r>
             <a:endParaRPr lang="en-US" dirty="0"/>
           </a:p>

--- a/HTML/Responsive/responsive.pptx
+++ b/HTML/Responsive/responsive.pptx
@@ -15,6 +15,7 @@
     <p:sldId id="262" r:id="rId9"/>
     <p:sldId id="264" r:id="rId10"/>
     <p:sldId id="265" r:id="rId11"/>
+    <p:sldId id="266" r:id="rId12"/>
   </p:sldIdLst>
   <p:sldSz cx="12192000" cy="6858000"/>
   <p:notesSz cx="6858000" cy="9144000"/>
@@ -6320,14 +6321,9 @@
               <a:buNone/>
             </a:pPr>
             <a:r>
-              <a:rPr lang="en-US" dirty="0" err="1"/>
-              <a:t>preGrid</a:t>
-            </a:r>
-            <a:r>
-              <a:rPr lang="en-US"/>
-              <a:t>*.html</a:t>
-            </a:r>
-            <a:endParaRPr lang="en-US" dirty="0"/>
+              <a:rPr lang="en-US" dirty="0"/>
+              <a:t>preGrid*.html</a:t>
+            </a:r>
           </a:p>
         </p:txBody>
       </p:sp>
@@ -6335,6 +6331,93 @@
     <p:extLst>
       <p:ext uri="{BB962C8B-B14F-4D97-AF65-F5344CB8AC3E}">
         <p14:creationId xmlns:p14="http://schemas.microsoft.com/office/powerpoint/2010/main" val="1968318231"/>
+      </p:ext>
+    </p:extLst>
+  </p:cSld>
+  <p:clrMapOvr>
+    <a:masterClrMapping/>
+  </p:clrMapOvr>
+</p:sld>
+</file>
+
+<file path=ppt/slides/slide11.xml><?xml version="1.0" encoding="utf-8"?>
+<p:sld xmlns:a="http://schemas.openxmlformats.org/drawingml/2006/main" xmlns:r="http://schemas.openxmlformats.org/officeDocument/2006/relationships" xmlns:p="http://schemas.openxmlformats.org/presentationml/2006/main">
+  <p:cSld>
+    <p:spTree>
+      <p:nvGrpSpPr>
+        <p:cNvPr id="1" name=""/>
+        <p:cNvGrpSpPr/>
+        <p:nvPr/>
+      </p:nvGrpSpPr>
+      <p:grpSpPr>
+        <a:xfrm>
+          <a:off x="0" y="0"/>
+          <a:ext cx="0" cy="0"/>
+          <a:chOff x="0" y="0"/>
+          <a:chExt cx="0" cy="0"/>
+        </a:xfrm>
+      </p:grpSpPr>
+      <p:sp>
+        <p:nvSpPr>
+          <p:cNvPr id="2" name="כותרת 1">
+            <a:extLst>
+              <a:ext uri="{FF2B5EF4-FFF2-40B4-BE49-F238E27FC236}">
+                <a16:creationId xmlns:a16="http://schemas.microsoft.com/office/drawing/2014/main" id="{174E71B5-8337-46EC-90A9-5585E62C521E}"/>
+              </a:ext>
+            </a:extLst>
+          </p:cNvPr>
+          <p:cNvSpPr>
+            <a:spLocks noGrp="1"/>
+          </p:cNvSpPr>
+          <p:nvPr>
+            <p:ph type="title"/>
+          </p:nvPr>
+        </p:nvSpPr>
+        <p:spPr/>
+        <p:txBody>
+          <a:bodyPr/>
+          <a:lstStyle/>
+          <a:p>
+            <a:r>
+              <a:rPr lang="en-US" dirty="0"/>
+              <a:t>Elements </a:t>
+            </a:r>
+            <a:r>
+              <a:rPr lang="en-US"/>
+              <a:t>in responsive design</a:t>
+            </a:r>
+          </a:p>
+        </p:txBody>
+      </p:sp>
+      <p:sp>
+        <p:nvSpPr>
+          <p:cNvPr id="3" name="מציין מיקום תוכן 2">
+            <a:extLst>
+              <a:ext uri="{FF2B5EF4-FFF2-40B4-BE49-F238E27FC236}">
+                <a16:creationId xmlns:a16="http://schemas.microsoft.com/office/drawing/2014/main" id="{A319420B-EE8B-4CB5-AFDF-AAE04EEC9854}"/>
+              </a:ext>
+            </a:extLst>
+          </p:cNvPr>
+          <p:cNvSpPr>
+            <a:spLocks noGrp="1"/>
+          </p:cNvSpPr>
+          <p:nvPr>
+            <p:ph idx="1"/>
+          </p:nvPr>
+        </p:nvSpPr>
+        <p:spPr/>
+        <p:txBody>
+          <a:bodyPr/>
+          <a:lstStyle/>
+          <a:p>
+            <a:endParaRPr lang="en-US"/>
+          </a:p>
+        </p:txBody>
+      </p:sp>
+    </p:spTree>
+    <p:extLst>
+      <p:ext uri="{BB962C8B-B14F-4D97-AF65-F5344CB8AC3E}">
+        <p14:creationId xmlns:p14="http://schemas.microsoft.com/office/powerpoint/2010/main" val="1586082719"/>
       </p:ext>
     </p:extLst>
   </p:cSld>

--- a/HTML/Responsive/responsive.pptx
+++ b/HTML/Responsive/responsive.pptx
@@ -16,6 +16,7 @@
     <p:sldId id="264" r:id="rId10"/>
     <p:sldId id="265" r:id="rId11"/>
     <p:sldId id="266" r:id="rId12"/>
+    <p:sldId id="267" r:id="rId13"/>
   </p:sldIdLst>
   <p:sldSz cx="12192000" cy="6858000"/>
   <p:notesSz cx="6858000" cy="9144000"/>
@@ -312,7 +313,7 @@
           <a:p>
             <a:fld id="{8C0E481A-6A09-48DA-A8F0-C923B352291E}" type="datetimeFigureOut">
               <a:rPr lang="he-IL" smtClean="0"/>
-              <a:t>י"ג/טבת/תשע"ח</a:t>
+              <a:t>ט"ו/טבת/תשע"ח</a:t>
             </a:fld>
             <a:endParaRPr lang="he-IL"/>
           </a:p>
@@ -587,7 +588,7 @@
           <a:p>
             <a:fld id="{8C0E481A-6A09-48DA-A8F0-C923B352291E}" type="datetimeFigureOut">
               <a:rPr lang="he-IL" smtClean="0"/>
-              <a:t>י"ג/טבת/תשע"ח</a:t>
+              <a:t>ט"ו/טבת/תשע"ח</a:t>
             </a:fld>
             <a:endParaRPr lang="he-IL"/>
           </a:p>
@@ -781,7 +782,7 @@
           <a:p>
             <a:fld id="{8C0E481A-6A09-48DA-A8F0-C923B352291E}" type="datetimeFigureOut">
               <a:rPr lang="he-IL" smtClean="0"/>
-              <a:t>י"ג/טבת/תשע"ח</a:t>
+              <a:t>ט"ו/טבת/תשע"ח</a:t>
             </a:fld>
             <a:endParaRPr lang="he-IL"/>
           </a:p>
@@ -1052,7 +1053,7 @@
           <a:p>
             <a:fld id="{8C0E481A-6A09-48DA-A8F0-C923B352291E}" type="datetimeFigureOut">
               <a:rPr lang="he-IL" smtClean="0"/>
-              <a:t>י"ג/טבת/תשע"ח</a:t>
+              <a:t>ט"ו/טבת/תשע"ח</a:t>
             </a:fld>
             <a:endParaRPr lang="he-IL"/>
           </a:p>
@@ -1379,7 +1380,7 @@
           <a:p>
             <a:fld id="{8C0E481A-6A09-48DA-A8F0-C923B352291E}" type="datetimeFigureOut">
               <a:rPr lang="he-IL" smtClean="0"/>
-              <a:t>י"ג/טבת/תשע"ח</a:t>
+              <a:t>ט"ו/טבת/תשע"ח</a:t>
             </a:fld>
             <a:endParaRPr lang="he-IL"/>
           </a:p>
@@ -1998,7 +1999,7 @@
           <a:p>
             <a:fld id="{8C0E481A-6A09-48DA-A8F0-C923B352291E}" type="datetimeFigureOut">
               <a:rPr lang="he-IL" smtClean="0"/>
-              <a:t>י"ג/טבת/תשע"ח</a:t>
+              <a:t>ט"ו/טבת/תשע"ח</a:t>
             </a:fld>
             <a:endParaRPr lang="he-IL"/>
           </a:p>
@@ -2845,7 +2846,7 @@
           <a:p>
             <a:fld id="{8C0E481A-6A09-48DA-A8F0-C923B352291E}" type="datetimeFigureOut">
               <a:rPr lang="he-IL" smtClean="0"/>
-              <a:t>י"ג/טבת/תשע"ח</a:t>
+              <a:t>ט"ו/טבת/תשע"ח</a:t>
             </a:fld>
             <a:endParaRPr lang="he-IL"/>
           </a:p>
@@ -3015,7 +3016,7 @@
           <a:p>
             <a:fld id="{8C0E481A-6A09-48DA-A8F0-C923B352291E}" type="datetimeFigureOut">
               <a:rPr lang="he-IL" smtClean="0"/>
-              <a:t>י"ג/טבת/תשע"ח</a:t>
+              <a:t>ט"ו/טבת/תשע"ח</a:t>
             </a:fld>
             <a:endParaRPr lang="he-IL"/>
           </a:p>
@@ -3195,7 +3196,7 @@
           <a:p>
             <a:fld id="{8C0E481A-6A09-48DA-A8F0-C923B352291E}" type="datetimeFigureOut">
               <a:rPr lang="he-IL" smtClean="0"/>
-              <a:t>י"ג/טבת/תשע"ח</a:t>
+              <a:t>ט"ו/טבת/תשע"ח</a:t>
             </a:fld>
             <a:endParaRPr lang="he-IL"/>
           </a:p>
@@ -3365,7 +3366,7 @@
           <a:p>
             <a:fld id="{8C0E481A-6A09-48DA-A8F0-C923B352291E}" type="datetimeFigureOut">
               <a:rPr lang="he-IL" smtClean="0"/>
-              <a:t>י"ג/טבת/תשע"ח</a:t>
+              <a:t>ט"ו/טבת/תשע"ח</a:t>
             </a:fld>
             <a:endParaRPr lang="he-IL"/>
           </a:p>
@@ -3612,7 +3613,7 @@
           <a:p>
             <a:fld id="{8C0E481A-6A09-48DA-A8F0-C923B352291E}" type="datetimeFigureOut">
               <a:rPr lang="he-IL" smtClean="0"/>
-              <a:t>י"ג/טבת/תשע"ח</a:t>
+              <a:t>ט"ו/טבת/תשע"ח</a:t>
             </a:fld>
             <a:endParaRPr lang="he-IL"/>
           </a:p>
@@ -3904,7 +3905,7 @@
           <a:p>
             <a:fld id="{8C0E481A-6A09-48DA-A8F0-C923B352291E}" type="datetimeFigureOut">
               <a:rPr lang="he-IL" smtClean="0"/>
-              <a:t>י"ג/טבת/תשע"ח</a:t>
+              <a:t>ט"ו/טבת/תשע"ח</a:t>
             </a:fld>
             <a:endParaRPr lang="he-IL"/>
           </a:p>
@@ -4348,7 +4349,7 @@
           <a:p>
             <a:fld id="{8C0E481A-6A09-48DA-A8F0-C923B352291E}" type="datetimeFigureOut">
               <a:rPr lang="he-IL" smtClean="0"/>
-              <a:t>י"ג/טבת/תשע"ח</a:t>
+              <a:t>ט"ו/טבת/תשע"ח</a:t>
             </a:fld>
             <a:endParaRPr lang="he-IL"/>
           </a:p>
@@ -4466,7 +4467,7 @@
           <a:p>
             <a:fld id="{8C0E481A-6A09-48DA-A8F0-C923B352291E}" type="datetimeFigureOut">
               <a:rPr lang="he-IL" smtClean="0"/>
-              <a:t>י"ג/טבת/תשע"ח</a:t>
+              <a:t>ט"ו/טבת/תשע"ח</a:t>
             </a:fld>
             <a:endParaRPr lang="he-IL"/>
           </a:p>
@@ -4561,7 +4562,7 @@
           <a:p>
             <a:fld id="{8C0E481A-6A09-48DA-A8F0-C923B352291E}" type="datetimeFigureOut">
               <a:rPr lang="he-IL" smtClean="0"/>
-              <a:t>י"ג/טבת/תשע"ח</a:t>
+              <a:t>ט"ו/טבת/תשע"ח</a:t>
             </a:fld>
             <a:endParaRPr lang="he-IL"/>
           </a:p>
@@ -4840,7 +4841,7 @@
           <a:p>
             <a:fld id="{8C0E481A-6A09-48DA-A8F0-C923B352291E}" type="datetimeFigureOut">
               <a:rPr lang="he-IL" smtClean="0"/>
-              <a:t>י"ג/טבת/תשע"ח</a:t>
+              <a:t>ט"ו/טבת/תשע"ח</a:t>
             </a:fld>
             <a:endParaRPr lang="he-IL"/>
           </a:p>
@@ -5115,7 +5116,7 @@
           <a:p>
             <a:fld id="{8C0E481A-6A09-48DA-A8F0-C923B352291E}" type="datetimeFigureOut">
               <a:rPr lang="he-IL" smtClean="0"/>
-              <a:t>י"ג/טבת/תשע"ח</a:t>
+              <a:t>ט"ו/טבת/תשע"ח</a:t>
             </a:fld>
             <a:endParaRPr lang="he-IL"/>
           </a:p>
@@ -5538,7 +5539,7 @@
           <a:p>
             <a:fld id="{8C0E481A-6A09-48DA-A8F0-C923B352291E}" type="datetimeFigureOut">
               <a:rPr lang="he-IL" smtClean="0"/>
-              <a:t>י"ג/טבת/תשע"ח</a:t>
+              <a:t>ט"ו/טבת/תשע"ח</a:t>
             </a:fld>
             <a:endParaRPr lang="he-IL"/>
           </a:p>
@@ -6380,11 +6381,7 @@
           <a:p>
             <a:r>
               <a:rPr lang="en-US" dirty="0"/>
-              <a:t>Elements </a:t>
-            </a:r>
-            <a:r>
-              <a:rPr lang="en-US"/>
-              <a:t>in responsive design</a:t>
+              <a:t>Elements in responsive design</a:t>
             </a:r>
           </a:p>
         </p:txBody>
@@ -6410,7 +6407,25 @@
           <a:bodyPr/>
           <a:lstStyle/>
           <a:p>
-            <a:endParaRPr lang="en-US"/>
+            <a:pPr algn="l" rtl="0"/>
+            <a:r>
+              <a:rPr lang="en-US" dirty="0"/>
+              <a:t>In some places, you can hide elements in mobile vs. non-mobile</a:t>
+            </a:r>
+          </a:p>
+          <a:p>
+            <a:pPr algn="l" rtl="0"/>
+            <a:r>
+              <a:rPr lang="en-US" dirty="0"/>
+              <a:t>https://purecss.io/layouts/email/</a:t>
+            </a:r>
+          </a:p>
+          <a:p>
+            <a:pPr algn="l" rtl="0"/>
+            <a:r>
+              <a:rPr lang="en-US" dirty="0"/>
+              <a:t>Index.html</a:t>
+            </a:r>
           </a:p>
         </p:txBody>
       </p:sp>
@@ -6418,6 +6433,108 @@
     <p:extLst>
       <p:ext uri="{BB962C8B-B14F-4D97-AF65-F5344CB8AC3E}">
         <p14:creationId xmlns:p14="http://schemas.microsoft.com/office/powerpoint/2010/main" val="1586082719"/>
+      </p:ext>
+    </p:extLst>
+  </p:cSld>
+  <p:clrMapOvr>
+    <a:masterClrMapping/>
+  </p:clrMapOvr>
+</p:sld>
+</file>
+
+<file path=ppt/slides/slide12.xml><?xml version="1.0" encoding="utf-8"?>
+<p:sld xmlns:a="http://schemas.openxmlformats.org/drawingml/2006/main" xmlns:r="http://schemas.openxmlformats.org/officeDocument/2006/relationships" xmlns:p="http://schemas.openxmlformats.org/presentationml/2006/main">
+  <p:cSld>
+    <p:spTree>
+      <p:nvGrpSpPr>
+        <p:cNvPr id="1" name=""/>
+        <p:cNvGrpSpPr/>
+        <p:nvPr/>
+      </p:nvGrpSpPr>
+      <p:grpSpPr>
+        <a:xfrm>
+          <a:off x="0" y="0"/>
+          <a:ext cx="0" cy="0"/>
+          <a:chOff x="0" y="0"/>
+          <a:chExt cx="0" cy="0"/>
+        </a:xfrm>
+      </p:grpSpPr>
+      <p:sp>
+        <p:nvSpPr>
+          <p:cNvPr id="2" name="כותרת 1">
+            <a:extLst>
+              <a:ext uri="{FF2B5EF4-FFF2-40B4-BE49-F238E27FC236}">
+                <a16:creationId xmlns:a16="http://schemas.microsoft.com/office/drawing/2014/main" id="{178F42DC-5B60-46E1-A2CC-DA2D400CCDAA}"/>
+              </a:ext>
+            </a:extLst>
+          </p:cNvPr>
+          <p:cNvSpPr>
+            <a:spLocks noGrp="1"/>
+          </p:cNvSpPr>
+          <p:nvPr>
+            <p:ph type="title"/>
+          </p:nvPr>
+        </p:nvSpPr>
+        <p:spPr/>
+        <p:txBody>
+          <a:bodyPr/>
+          <a:lstStyle/>
+          <a:p>
+            <a:r>
+              <a:rPr lang="en-US" dirty="0"/>
+              <a:t>Grids and libraries</a:t>
+            </a:r>
+          </a:p>
+        </p:txBody>
+      </p:sp>
+      <p:sp>
+        <p:nvSpPr>
+          <p:cNvPr id="3" name="מציין מיקום תוכן 2">
+            <a:extLst>
+              <a:ext uri="{FF2B5EF4-FFF2-40B4-BE49-F238E27FC236}">
+                <a16:creationId xmlns:a16="http://schemas.microsoft.com/office/drawing/2014/main" id="{686B27E0-FE6E-4BD3-B7D2-24A0FAE5A3DB}"/>
+              </a:ext>
+            </a:extLst>
+          </p:cNvPr>
+          <p:cNvSpPr>
+            <a:spLocks noGrp="1"/>
+          </p:cNvSpPr>
+          <p:nvPr>
+            <p:ph idx="1"/>
+          </p:nvPr>
+        </p:nvSpPr>
+        <p:spPr/>
+        <p:txBody>
+          <a:bodyPr/>
+          <a:lstStyle/>
+          <a:p>
+            <a:pPr algn="l" rtl="0"/>
+            <a:r>
+              <a:rPr lang="en-US" dirty="0"/>
+              <a:t>materialize</a:t>
+            </a:r>
+          </a:p>
+          <a:p>
+            <a:pPr algn="l" rtl="0"/>
+            <a:r>
+              <a:rPr lang="en-US" dirty="0"/>
+              <a:t>Bootstrap (https://getbootstrap.com/docs/3.3/css/#grid)</a:t>
+            </a:r>
+          </a:p>
+          <a:p>
+            <a:pPr algn="l" rtl="0"/>
+            <a:r>
+              <a:rPr lang="en-US" dirty="0" err="1"/>
+              <a:t>PureCSS</a:t>
+            </a:r>
+            <a:endParaRPr lang="en-US" dirty="0"/>
+          </a:p>
+        </p:txBody>
+      </p:sp>
+    </p:spTree>
+    <p:extLst>
+      <p:ext uri="{BB962C8B-B14F-4D97-AF65-F5344CB8AC3E}">
+        <p14:creationId xmlns:p14="http://schemas.microsoft.com/office/powerpoint/2010/main" val="101063811"/>
       </p:ext>
     </p:extLst>
   </p:cSld>
